--- a/Presentation1.pptx
+++ b/Presentation1.pptx
@@ -264,7 +264,7 @@
           <a:p>
             <a:fld id="{6CB0B8B4-947B-4435-8749-B776ADB1FD08}" type="datetimeFigureOut">
               <a:rPr lang="es-VE" smtClean="0"/>
-              <a:t>8/5/2022</a:t>
+              <a:t>9/5/2022</a:t>
             </a:fld>
             <a:endParaRPr lang="es-VE"/>
           </a:p>
@@ -464,7 +464,7 @@
           <a:p>
             <a:fld id="{6CB0B8B4-947B-4435-8749-B776ADB1FD08}" type="datetimeFigureOut">
               <a:rPr lang="es-VE" smtClean="0"/>
-              <a:t>8/5/2022</a:t>
+              <a:t>9/5/2022</a:t>
             </a:fld>
             <a:endParaRPr lang="es-VE"/>
           </a:p>
@@ -674,7 +674,7 @@
           <a:p>
             <a:fld id="{6CB0B8B4-947B-4435-8749-B776ADB1FD08}" type="datetimeFigureOut">
               <a:rPr lang="es-VE" smtClean="0"/>
-              <a:t>8/5/2022</a:t>
+              <a:t>9/5/2022</a:t>
             </a:fld>
             <a:endParaRPr lang="es-VE"/>
           </a:p>
@@ -874,7 +874,7 @@
           <a:p>
             <a:fld id="{6CB0B8B4-947B-4435-8749-B776ADB1FD08}" type="datetimeFigureOut">
               <a:rPr lang="es-VE" smtClean="0"/>
-              <a:t>8/5/2022</a:t>
+              <a:t>9/5/2022</a:t>
             </a:fld>
             <a:endParaRPr lang="es-VE"/>
           </a:p>
@@ -1150,7 +1150,7 @@
           <a:p>
             <a:fld id="{6CB0B8B4-947B-4435-8749-B776ADB1FD08}" type="datetimeFigureOut">
               <a:rPr lang="es-VE" smtClean="0"/>
-              <a:t>8/5/2022</a:t>
+              <a:t>9/5/2022</a:t>
             </a:fld>
             <a:endParaRPr lang="es-VE"/>
           </a:p>
@@ -1418,7 +1418,7 @@
           <a:p>
             <a:fld id="{6CB0B8B4-947B-4435-8749-B776ADB1FD08}" type="datetimeFigureOut">
               <a:rPr lang="es-VE" smtClean="0"/>
-              <a:t>8/5/2022</a:t>
+              <a:t>9/5/2022</a:t>
             </a:fld>
             <a:endParaRPr lang="es-VE"/>
           </a:p>
@@ -1833,7 +1833,7 @@
           <a:p>
             <a:fld id="{6CB0B8B4-947B-4435-8749-B776ADB1FD08}" type="datetimeFigureOut">
               <a:rPr lang="es-VE" smtClean="0"/>
-              <a:t>8/5/2022</a:t>
+              <a:t>9/5/2022</a:t>
             </a:fld>
             <a:endParaRPr lang="es-VE"/>
           </a:p>
@@ -1975,7 +1975,7 @@
           <a:p>
             <a:fld id="{6CB0B8B4-947B-4435-8749-B776ADB1FD08}" type="datetimeFigureOut">
               <a:rPr lang="es-VE" smtClean="0"/>
-              <a:t>8/5/2022</a:t>
+              <a:t>9/5/2022</a:t>
             </a:fld>
             <a:endParaRPr lang="es-VE"/>
           </a:p>
@@ -2088,7 +2088,7 @@
           <a:p>
             <a:fld id="{6CB0B8B4-947B-4435-8749-B776ADB1FD08}" type="datetimeFigureOut">
               <a:rPr lang="es-VE" smtClean="0"/>
-              <a:t>8/5/2022</a:t>
+              <a:t>9/5/2022</a:t>
             </a:fld>
             <a:endParaRPr lang="es-VE"/>
           </a:p>
@@ -2401,7 +2401,7 @@
           <a:p>
             <a:fld id="{6CB0B8B4-947B-4435-8749-B776ADB1FD08}" type="datetimeFigureOut">
               <a:rPr lang="es-VE" smtClean="0"/>
-              <a:t>8/5/2022</a:t>
+              <a:t>9/5/2022</a:t>
             </a:fld>
             <a:endParaRPr lang="es-VE"/>
           </a:p>
@@ -2690,7 +2690,7 @@
           <a:p>
             <a:fld id="{6CB0B8B4-947B-4435-8749-B776ADB1FD08}" type="datetimeFigureOut">
               <a:rPr lang="es-VE" smtClean="0"/>
-              <a:t>8/5/2022</a:t>
+              <a:t>9/5/2022</a:t>
             </a:fld>
             <a:endParaRPr lang="es-VE"/>
           </a:p>
@@ -2933,7 +2933,7 @@
           <a:p>
             <a:fld id="{6CB0B8B4-947B-4435-8749-B776ADB1FD08}" type="datetimeFigureOut">
               <a:rPr lang="es-VE" smtClean="0"/>
-              <a:t>8/5/2022</a:t>
+              <a:t>9/5/2022</a:t>
             </a:fld>
             <a:endParaRPr lang="es-VE"/>
           </a:p>
@@ -5116,7 +5116,7 @@
         </p:blipFill>
         <p:spPr>
           <a:xfrm>
-            <a:off x="4329986" y="1499198"/>
+            <a:off x="4329986" y="44472"/>
             <a:ext cx="2836953" cy="1988603"/>
           </a:xfrm>
           <a:prstGeom prst="rect">
@@ -5146,7 +5146,7 @@
         </p:blipFill>
         <p:spPr>
           <a:xfrm>
-            <a:off x="6071838" y="1491948"/>
+            <a:off x="6071838" y="37222"/>
             <a:ext cx="3385989" cy="2064627"/>
           </a:xfrm>
           <a:prstGeom prst="rect">
@@ -5168,7 +5168,7 @@
         </p:nvSpPr>
         <p:spPr>
           <a:xfrm>
-            <a:off x="5809208" y="3170311"/>
+            <a:off x="5809208" y="1715585"/>
             <a:ext cx="563359" cy="523220"/>
           </a:xfrm>
           <a:prstGeom prst="rect">
@@ -5248,7 +5248,7 @@
         </p:blipFill>
         <p:spPr>
           <a:xfrm>
-            <a:off x="5695214" y="168635"/>
+            <a:off x="5695214" y="6998921"/>
             <a:ext cx="878031" cy="931689"/>
           </a:xfrm>
           <a:prstGeom prst="rect">
@@ -5284,7 +5284,7 @@
         </p:blipFill>
         <p:spPr>
           <a:xfrm>
-            <a:off x="4483796" y="148222"/>
+            <a:off x="4483796" y="6978508"/>
             <a:ext cx="878032" cy="931839"/>
           </a:xfrm>
           <a:prstGeom prst="rect">
@@ -5320,7 +5320,7 @@
         </p:blipFill>
         <p:spPr>
           <a:xfrm>
-            <a:off x="6906632" y="195762"/>
+            <a:off x="6872253" y="6978509"/>
             <a:ext cx="878031" cy="931838"/>
           </a:xfrm>
           <a:prstGeom prst="rect">
@@ -5342,7 +5342,7 @@
         </p:nvSpPr>
         <p:spPr>
           <a:xfrm>
-            <a:off x="5537661" y="4129091"/>
+            <a:off x="5537661" y="2674365"/>
             <a:ext cx="1272566" cy="369332"/>
           </a:xfrm>
           <a:prstGeom prst="rect">
@@ -5378,7 +5378,7 @@
         </p:nvSpPr>
         <p:spPr>
           <a:xfrm>
-            <a:off x="5938797" y="4548671"/>
+            <a:off x="5938797" y="3093945"/>
             <a:ext cx="295274" cy="523220"/>
           </a:xfrm>
           <a:prstGeom prst="rect">
@@ -5414,7 +5414,7 @@
         </p:nvSpPr>
         <p:spPr>
           <a:xfrm>
-            <a:off x="5938797" y="5226949"/>
+            <a:off x="5938797" y="3772223"/>
             <a:ext cx="295274" cy="523220"/>
           </a:xfrm>
           <a:prstGeom prst="rect">
@@ -5450,7 +5450,7 @@
         </p:nvSpPr>
         <p:spPr>
           <a:xfrm>
-            <a:off x="5938797" y="5897658"/>
+            <a:off x="5938797" y="4442932"/>
             <a:ext cx="295274" cy="523220"/>
           </a:xfrm>
           <a:prstGeom prst="rect">
@@ -5499,7 +5499,7 @@
         </p:blipFill>
         <p:spPr>
           <a:xfrm rot="16200000">
-            <a:off x="5193065" y="4501046"/>
+            <a:off x="5193065" y="3046320"/>
             <a:ext cx="642876" cy="618470"/>
           </a:xfrm>
           <a:prstGeom prst="flowChartConnector">
@@ -5534,7 +5534,7 @@
         </p:blipFill>
         <p:spPr>
           <a:xfrm rot="16357761">
-            <a:off x="6285930" y="4511133"/>
+            <a:off x="6285930" y="3056407"/>
             <a:ext cx="638779" cy="622060"/>
           </a:xfrm>
           <a:prstGeom prst="flowChartConnector">
@@ -5569,7 +5569,7 @@
         </p:blipFill>
         <p:spPr>
           <a:xfrm rot="16200000">
-            <a:off x="5193065" y="5260802"/>
+            <a:off x="5193065" y="3806076"/>
             <a:ext cx="642876" cy="618470"/>
           </a:xfrm>
           <a:prstGeom prst="flowChartConnector">
@@ -5604,7 +5604,7 @@
         </p:blipFill>
         <p:spPr>
           <a:xfrm rot="16357761">
-            <a:off x="6285930" y="5270889"/>
+            <a:off x="6285930" y="3816163"/>
             <a:ext cx="638779" cy="622060"/>
           </a:xfrm>
           <a:prstGeom prst="flowChartConnector">
@@ -5639,7 +5639,7 @@
         </p:blipFill>
         <p:spPr>
           <a:xfrm rot="16200000">
-            <a:off x="5223193" y="5981056"/>
+            <a:off x="5223193" y="4526330"/>
             <a:ext cx="642876" cy="618470"/>
           </a:xfrm>
           <a:prstGeom prst="flowChartConnector">
@@ -5674,7 +5674,7 @@
         </p:blipFill>
         <p:spPr>
           <a:xfrm rot="16357761">
-            <a:off x="6316058" y="5991143"/>
+            <a:off x="6316058" y="4536417"/>
             <a:ext cx="638779" cy="622060"/>
           </a:xfrm>
           <a:prstGeom prst="flowChartConnector">
@@ -5696,7 +5696,7 @@
         </p:nvSpPr>
         <p:spPr>
           <a:xfrm>
-            <a:off x="5100324" y="7291066"/>
+            <a:off x="5100324" y="5836340"/>
             <a:ext cx="2327563" cy="369332"/>
           </a:xfrm>
           <a:prstGeom prst="rect">
@@ -5732,7 +5732,7 @@
         </p:nvSpPr>
         <p:spPr>
           <a:xfrm>
-            <a:off x="4483796" y="7603005"/>
+            <a:off x="4483796" y="6148279"/>
             <a:ext cx="3560617" cy="769441"/>
           </a:xfrm>
           <a:prstGeom prst="rect">
